--- a/CursoPython.pptx
+++ b/CursoPython.pptx
@@ -6,6 +6,8 @@
   </p:sldMasterIdLst>
   <p:sldIdLst>
     <p:sldId id="256" r:id="rId2"/>
+    <p:sldId id="257" r:id="rId3"/>
+    <p:sldId id="258" r:id="rId4"/>
   </p:sldIdLst>
   <p:sldSz cx="9144000" cy="6858000" type="screen4x3"/>
   <p:notesSz cx="6858000" cy="9144000"/>
@@ -289,7 +291,7 @@
             <a:fld id="{7A847CFC-816F-41D0-AAC0-9BF4FEBC753E}" type="datetimeFigureOut">
               <a:rPr lang="es-ES" smtClean="0"/>
               <a:pPr/>
-              <a:t>09/01/2020</a:t>
+              <a:t>15/01/2020</a:t>
             </a:fld>
             <a:endParaRPr lang="es-ES"/>
           </a:p>
@@ -456,7 +458,7 @@
             <a:fld id="{7A847CFC-816F-41D0-AAC0-9BF4FEBC753E}" type="datetimeFigureOut">
               <a:rPr lang="es-ES" smtClean="0"/>
               <a:pPr/>
-              <a:t>09/01/2020</a:t>
+              <a:t>15/01/2020</a:t>
             </a:fld>
             <a:endParaRPr lang="es-ES"/>
           </a:p>
@@ -633,7 +635,7 @@
             <a:fld id="{7A847CFC-816F-41D0-AAC0-9BF4FEBC753E}" type="datetimeFigureOut">
               <a:rPr lang="es-ES" smtClean="0"/>
               <a:pPr/>
-              <a:t>09/01/2020</a:t>
+              <a:t>15/01/2020</a:t>
             </a:fld>
             <a:endParaRPr lang="es-ES"/>
           </a:p>
@@ -800,7 +802,7 @@
             <a:fld id="{7A847CFC-816F-41D0-AAC0-9BF4FEBC753E}" type="datetimeFigureOut">
               <a:rPr lang="es-ES" smtClean="0"/>
               <a:pPr/>
-              <a:t>09/01/2020</a:t>
+              <a:t>15/01/2020</a:t>
             </a:fld>
             <a:endParaRPr lang="es-ES"/>
           </a:p>
@@ -1043,7 +1045,7 @@
             <a:fld id="{7A847CFC-816F-41D0-AAC0-9BF4FEBC753E}" type="datetimeFigureOut">
               <a:rPr lang="es-ES" smtClean="0"/>
               <a:pPr/>
-              <a:t>09/01/2020</a:t>
+              <a:t>15/01/2020</a:t>
             </a:fld>
             <a:endParaRPr lang="es-ES"/>
           </a:p>
@@ -1328,7 +1330,7 @@
             <a:fld id="{7A847CFC-816F-41D0-AAC0-9BF4FEBC753E}" type="datetimeFigureOut">
               <a:rPr lang="es-ES" smtClean="0"/>
               <a:pPr/>
-              <a:t>09/01/2020</a:t>
+              <a:t>15/01/2020</a:t>
             </a:fld>
             <a:endParaRPr lang="es-ES"/>
           </a:p>
@@ -1747,7 +1749,7 @@
             <a:fld id="{7A847CFC-816F-41D0-AAC0-9BF4FEBC753E}" type="datetimeFigureOut">
               <a:rPr lang="es-ES" smtClean="0"/>
               <a:pPr/>
-              <a:t>09/01/2020</a:t>
+              <a:t>15/01/2020</a:t>
             </a:fld>
             <a:endParaRPr lang="es-ES"/>
           </a:p>
@@ -1862,7 +1864,7 @@
             <a:fld id="{7A847CFC-816F-41D0-AAC0-9BF4FEBC753E}" type="datetimeFigureOut">
               <a:rPr lang="es-ES" smtClean="0"/>
               <a:pPr/>
-              <a:t>09/01/2020</a:t>
+              <a:t>15/01/2020</a:t>
             </a:fld>
             <a:endParaRPr lang="es-ES"/>
           </a:p>
@@ -1954,7 +1956,7 @@
             <a:fld id="{7A847CFC-816F-41D0-AAC0-9BF4FEBC753E}" type="datetimeFigureOut">
               <a:rPr lang="es-ES" smtClean="0"/>
               <a:pPr/>
-              <a:t>09/01/2020</a:t>
+              <a:t>15/01/2020</a:t>
             </a:fld>
             <a:endParaRPr lang="es-ES"/>
           </a:p>
@@ -2228,7 +2230,7 @@
             <a:fld id="{7A847CFC-816F-41D0-AAC0-9BF4FEBC753E}" type="datetimeFigureOut">
               <a:rPr lang="es-ES" smtClean="0"/>
               <a:pPr/>
-              <a:t>09/01/2020</a:t>
+              <a:t>15/01/2020</a:t>
             </a:fld>
             <a:endParaRPr lang="es-ES"/>
           </a:p>
@@ -2478,7 +2480,7 @@
             <a:fld id="{7A847CFC-816F-41D0-AAC0-9BF4FEBC753E}" type="datetimeFigureOut">
               <a:rPr lang="es-ES" smtClean="0"/>
               <a:pPr/>
-              <a:t>09/01/2020</a:t>
+              <a:t>15/01/2020</a:t>
             </a:fld>
             <a:endParaRPr lang="es-ES"/>
           </a:p>
@@ -2688,7 +2690,7 @@
             <a:fld id="{7A847CFC-816F-41D0-AAC0-9BF4FEBC753E}" type="datetimeFigureOut">
               <a:rPr lang="es-ES" smtClean="0"/>
               <a:pPr/>
-              <a:t>09/01/2020</a:t>
+              <a:t>15/01/2020</a:t>
             </a:fld>
             <a:endParaRPr lang="es-ES"/>
           </a:p>
@@ -7969,6 +7971,2581 @@
 </p:sld>
 </file>
 
+<file path=ppt/slides/slide2.xml><?xml version="1.0" encoding="utf-8"?>
+<p:sld xmlns:a="http://schemas.openxmlformats.org/drawingml/2006/main" xmlns:r="http://schemas.openxmlformats.org/officeDocument/2006/relationships" xmlns:p="http://schemas.openxmlformats.org/presentationml/2006/main">
+  <p:cSld>
+    <p:spTree>
+      <p:nvGrpSpPr>
+        <p:cNvPr id="1" name=""/>
+        <p:cNvGrpSpPr/>
+        <p:nvPr/>
+      </p:nvGrpSpPr>
+      <p:grpSpPr>
+        <a:xfrm>
+          <a:off x="0" y="0"/>
+          <a:ext cx="0" cy="0"/>
+          <a:chOff x="0" y="0"/>
+          <a:chExt cx="0" cy="0"/>
+        </a:xfrm>
+      </p:grpSpPr>
+      <p:sp>
+        <p:nvSpPr>
+          <p:cNvPr id="162" name="161 Rectángulo"/>
+          <p:cNvSpPr/>
+          <p:nvPr/>
+        </p:nvSpPr>
+        <p:spPr>
+          <a:xfrm>
+            <a:off x="611560" y="4922584"/>
+            <a:ext cx="3528392" cy="936104"/>
+          </a:xfrm>
+          <a:prstGeom prst="rect">
+            <a:avLst/>
+          </a:prstGeom>
+          <a:solidFill>
+            <a:srgbClr val="92D050"/>
+          </a:solidFill>
+        </p:spPr>
+        <p:style>
+          <a:lnRef idx="2">
+            <a:schemeClr val="accent1">
+              <a:shade val="50000"/>
+            </a:schemeClr>
+          </a:lnRef>
+          <a:fillRef idx="1">
+            <a:schemeClr val="accent1"/>
+          </a:fillRef>
+          <a:effectRef idx="0">
+            <a:schemeClr val="accent1"/>
+          </a:effectRef>
+          <a:fontRef idx="minor">
+            <a:schemeClr val="lt1"/>
+          </a:fontRef>
+        </p:style>
+        <p:txBody>
+          <a:bodyPr rtlCol="0" anchor="t"/>
+          <a:lstStyle/>
+          <a:p>
+            <a:pPr algn="ctr"/>
+            <a:endParaRPr lang="es-ES" sz="1400" dirty="0" smtClean="0">
+              <a:solidFill>
+                <a:srgbClr val="FF0000"/>
+              </a:solidFill>
+            </a:endParaRPr>
+          </a:p>
+          <a:p>
+            <a:pPr algn="ctr"/>
+            <a:endParaRPr lang="es-ES" sz="1400" dirty="0" smtClean="0">
+              <a:solidFill>
+                <a:srgbClr val="FF0000"/>
+              </a:solidFill>
+            </a:endParaRPr>
+          </a:p>
+          <a:p>
+            <a:pPr algn="ctr"/>
+            <a:r>
+              <a:rPr lang="es-ES" sz="1400" dirty="0" smtClean="0">
+                <a:solidFill>
+                  <a:srgbClr val="FF0000"/>
+                </a:solidFill>
+              </a:rPr>
+              <a:t>SERVIDOR</a:t>
+            </a:r>
+          </a:p>
+          <a:p>
+            <a:pPr algn="ctr"/>
+            <a:r>
+              <a:rPr lang="es-ES" sz="1400" dirty="0" smtClean="0">
+                <a:solidFill>
+                  <a:srgbClr val="FF0000"/>
+                </a:solidFill>
+              </a:rPr>
+              <a:t>ALMACENAMIENTO (ROBOTS)</a:t>
+            </a:r>
+          </a:p>
+        </p:txBody>
+      </p:sp>
+      <p:sp>
+        <p:nvSpPr>
+          <p:cNvPr id="4" name="3 Rectángulo"/>
+          <p:cNvSpPr/>
+          <p:nvPr/>
+        </p:nvSpPr>
+        <p:spPr>
+          <a:xfrm>
+            <a:off x="6012160" y="3429000"/>
+            <a:ext cx="1224136" cy="792088"/>
+          </a:xfrm>
+          <a:prstGeom prst="rect">
+            <a:avLst/>
+          </a:prstGeom>
+          <a:solidFill>
+            <a:srgbClr val="92D050"/>
+          </a:solidFill>
+        </p:spPr>
+        <p:style>
+          <a:lnRef idx="2">
+            <a:schemeClr val="accent1">
+              <a:shade val="50000"/>
+            </a:schemeClr>
+          </a:lnRef>
+          <a:fillRef idx="1">
+            <a:schemeClr val="accent1"/>
+          </a:fillRef>
+          <a:effectRef idx="0">
+            <a:schemeClr val="accent1"/>
+          </a:effectRef>
+          <a:fontRef idx="minor">
+            <a:schemeClr val="lt1"/>
+          </a:fontRef>
+        </p:style>
+        <p:txBody>
+          <a:bodyPr rtlCol="0" anchor="ctr"/>
+          <a:lstStyle/>
+          <a:p>
+            <a:pPr algn="ctr"/>
+            <a:r>
+              <a:rPr lang="es-ES" dirty="0" smtClean="0">
+                <a:solidFill>
+                  <a:srgbClr val="FF0000"/>
+                </a:solidFill>
+              </a:rPr>
+              <a:t>web vía</a:t>
+            </a:r>
+          </a:p>
+          <a:p>
+            <a:pPr algn="ctr"/>
+            <a:r>
+              <a:rPr lang="es-ES" b="1" dirty="0" smtClean="0"/>
+              <a:t>HTTP</a:t>
+            </a:r>
+            <a:endParaRPr lang="es-ES" dirty="0">
+              <a:solidFill>
+                <a:srgbClr val="FF0000"/>
+              </a:solidFill>
+            </a:endParaRPr>
+          </a:p>
+        </p:txBody>
+      </p:sp>
+      <p:sp>
+        <p:nvSpPr>
+          <p:cNvPr id="7" name="6 Rectángulo"/>
+          <p:cNvSpPr/>
+          <p:nvPr/>
+        </p:nvSpPr>
+        <p:spPr>
+          <a:xfrm>
+            <a:off x="899592" y="3645024"/>
+            <a:ext cx="936104" cy="576064"/>
+          </a:xfrm>
+          <a:prstGeom prst="rect">
+            <a:avLst/>
+          </a:prstGeom>
+          <a:solidFill>
+            <a:srgbClr val="92D050"/>
+          </a:solidFill>
+        </p:spPr>
+        <p:style>
+          <a:lnRef idx="2">
+            <a:schemeClr val="accent1">
+              <a:shade val="50000"/>
+            </a:schemeClr>
+          </a:lnRef>
+          <a:fillRef idx="1">
+            <a:schemeClr val="accent1"/>
+          </a:fillRef>
+          <a:effectRef idx="0">
+            <a:schemeClr val="accent1"/>
+          </a:effectRef>
+          <a:fontRef idx="minor">
+            <a:schemeClr val="lt1"/>
+          </a:fontRef>
+        </p:style>
+        <p:txBody>
+          <a:bodyPr rtlCol="0" anchor="t"/>
+          <a:lstStyle/>
+          <a:p>
+            <a:pPr algn="ctr"/>
+            <a:r>
+              <a:rPr lang="es-ES" sz="1400" dirty="0" smtClean="0">
+                <a:solidFill>
+                  <a:srgbClr val="FF0000"/>
+                </a:solidFill>
+              </a:rPr>
+              <a:t>SERVIDOR</a:t>
+            </a:r>
+          </a:p>
+          <a:p>
+            <a:pPr algn="ctr"/>
+            <a:r>
+              <a:rPr lang="es-ES" sz="1400" dirty="0" smtClean="0">
+                <a:solidFill>
+                  <a:srgbClr val="FF0000"/>
+                </a:solidFill>
+              </a:rPr>
+              <a:t>BBDD</a:t>
+            </a:r>
+          </a:p>
+        </p:txBody>
+      </p:sp>
+      <p:grpSp>
+        <p:nvGrpSpPr>
+          <p:cNvPr id="2" name="8 Grupo"/>
+          <p:cNvGrpSpPr/>
+          <p:nvPr/>
+        </p:nvGrpSpPr>
+        <p:grpSpPr>
+          <a:xfrm>
+            <a:off x="7380312" y="476672"/>
+            <a:ext cx="1152128" cy="720080"/>
+            <a:chOff x="6804248" y="692696"/>
+            <a:chExt cx="1800200" cy="1008112"/>
+          </a:xfrm>
+        </p:grpSpPr>
+        <p:sp>
+          <p:nvSpPr>
+            <p:cNvPr id="6" name="5 Rectángulo"/>
+            <p:cNvSpPr/>
+            <p:nvPr/>
+          </p:nvSpPr>
+          <p:spPr>
+            <a:xfrm>
+              <a:off x="7164288" y="692696"/>
+              <a:ext cx="1152128" cy="648072"/>
+            </a:xfrm>
+            <a:prstGeom prst="rect">
+              <a:avLst/>
+            </a:prstGeom>
+            <a:solidFill>
+              <a:schemeClr val="tx1">
+                <a:lumMod val="65000"/>
+                <a:lumOff val="35000"/>
+              </a:schemeClr>
+            </a:solidFill>
+          </p:spPr>
+          <p:style>
+            <a:lnRef idx="2">
+              <a:schemeClr val="accent1">
+                <a:shade val="50000"/>
+              </a:schemeClr>
+            </a:lnRef>
+            <a:fillRef idx="1">
+              <a:schemeClr val="accent1"/>
+            </a:fillRef>
+            <a:effectRef idx="0">
+              <a:schemeClr val="accent1"/>
+            </a:effectRef>
+            <a:fontRef idx="minor">
+              <a:schemeClr val="lt1"/>
+            </a:fontRef>
+          </p:style>
+          <p:txBody>
+            <a:bodyPr rtlCol="0" anchor="ctr"/>
+            <a:lstStyle/>
+            <a:p>
+              <a:pPr algn="ctr"/>
+              <a:endParaRPr lang="es-ES" dirty="0">
+                <a:solidFill>
+                  <a:srgbClr val="FF0000"/>
+                </a:solidFill>
+              </a:endParaRPr>
+            </a:p>
+          </p:txBody>
+        </p:sp>
+        <p:sp>
+          <p:nvSpPr>
+            <p:cNvPr id="8" name="7 Trapecio"/>
+            <p:cNvSpPr/>
+            <p:nvPr/>
+          </p:nvSpPr>
+          <p:spPr>
+            <a:xfrm>
+              <a:off x="6804248" y="1340768"/>
+              <a:ext cx="1800200" cy="360040"/>
+            </a:xfrm>
+            <a:prstGeom prst="trapezoid">
+              <a:avLst>
+                <a:gd name="adj" fmla="val 90307"/>
+              </a:avLst>
+            </a:prstGeom>
+          </p:spPr>
+          <p:style>
+            <a:lnRef idx="2">
+              <a:schemeClr val="accent1">
+                <a:shade val="50000"/>
+              </a:schemeClr>
+            </a:lnRef>
+            <a:fillRef idx="1">
+              <a:schemeClr val="accent1"/>
+            </a:fillRef>
+            <a:effectRef idx="0">
+              <a:schemeClr val="accent1"/>
+            </a:effectRef>
+            <a:fontRef idx="minor">
+              <a:schemeClr val="lt1"/>
+            </a:fontRef>
+          </p:style>
+          <p:txBody>
+            <a:bodyPr rtlCol="0" anchor="ctr"/>
+            <a:lstStyle/>
+            <a:p>
+              <a:pPr algn="ctr"/>
+              <a:endParaRPr lang="es-ES"/>
+            </a:p>
+          </p:txBody>
+        </p:sp>
+      </p:grpSp>
+      <p:sp>
+        <p:nvSpPr>
+          <p:cNvPr id="38" name="37 Llamada de nube"/>
+          <p:cNvSpPr/>
+          <p:nvPr/>
+        </p:nvSpPr>
+        <p:spPr>
+          <a:xfrm>
+            <a:off x="6732240" y="1556792"/>
+            <a:ext cx="1728192" cy="1152128"/>
+          </a:xfrm>
+          <a:prstGeom prst="cloudCallout">
+            <a:avLst>
+              <a:gd name="adj1" fmla="val -18241"/>
+              <a:gd name="adj2" fmla="val 10551"/>
+            </a:avLst>
+          </a:prstGeom>
+          <a:solidFill>
+            <a:schemeClr val="bg1">
+              <a:lumMod val="85000"/>
+            </a:schemeClr>
+          </a:solidFill>
+        </p:spPr>
+        <p:style>
+          <a:lnRef idx="2">
+            <a:schemeClr val="accent1">
+              <a:shade val="50000"/>
+            </a:schemeClr>
+          </a:lnRef>
+          <a:fillRef idx="1">
+            <a:schemeClr val="accent1"/>
+          </a:fillRef>
+          <a:effectRef idx="0">
+            <a:schemeClr val="accent1"/>
+          </a:effectRef>
+          <a:fontRef idx="minor">
+            <a:schemeClr val="lt1"/>
+          </a:fontRef>
+        </p:style>
+        <p:txBody>
+          <a:bodyPr rtlCol="0" anchor="ctr"/>
+          <a:lstStyle/>
+          <a:p>
+            <a:pPr algn="ctr"/>
+            <a:r>
+              <a:rPr lang="es-ES" sz="1600" dirty="0" smtClean="0">
+                <a:solidFill>
+                  <a:schemeClr val="tx1"/>
+                </a:solidFill>
+              </a:rPr>
+              <a:t>WEB</a:t>
+            </a:r>
+            <a:endParaRPr lang="es-ES" sz="1600" dirty="0">
+              <a:solidFill>
+                <a:schemeClr val="tx1"/>
+              </a:solidFill>
+            </a:endParaRPr>
+          </a:p>
+        </p:txBody>
+      </p:sp>
+      <p:cxnSp>
+        <p:nvCxnSpPr>
+          <p:cNvPr id="49" name="48 Conector angular"/>
+          <p:cNvCxnSpPr>
+            <a:stCxn id="8" idx="2"/>
+            <a:endCxn id="38" idx="3"/>
+          </p:cNvCxnSpPr>
+          <p:nvPr/>
+        </p:nvCxnSpPr>
+        <p:spPr>
+          <a:xfrm rot="5400000">
+            <a:off x="7563399" y="1229689"/>
+            <a:ext cx="425914" cy="360040"/>
+          </a:xfrm>
+          <a:prstGeom prst="bentConnector3">
+            <a:avLst>
+              <a:gd name="adj1" fmla="val 50000"/>
+            </a:avLst>
+          </a:prstGeom>
+        </p:spPr>
+        <p:style>
+          <a:lnRef idx="1">
+            <a:schemeClr val="accent1"/>
+          </a:lnRef>
+          <a:fillRef idx="0">
+            <a:schemeClr val="accent1"/>
+          </a:fillRef>
+          <a:effectRef idx="0">
+            <a:schemeClr val="accent1"/>
+          </a:effectRef>
+          <a:fontRef idx="minor">
+            <a:schemeClr val="tx1"/>
+          </a:fontRef>
+        </p:style>
+      </p:cxnSp>
+      <p:cxnSp>
+        <p:nvCxnSpPr>
+          <p:cNvPr id="51" name="50 Conector angular"/>
+          <p:cNvCxnSpPr>
+            <a:stCxn id="38" idx="4"/>
+            <a:endCxn id="4" idx="3"/>
+          </p:cNvCxnSpPr>
+          <p:nvPr/>
+        </p:nvCxnSpPr>
+        <p:spPr>
+          <a:xfrm rot="10800000" flipV="1">
+            <a:off x="7236296" y="2254416"/>
+            <a:ext cx="44800" cy="1570627"/>
+          </a:xfrm>
+          <a:prstGeom prst="bentConnector5">
+            <a:avLst>
+              <a:gd name="adj1" fmla="val 510268"/>
+              <a:gd name="adj2" fmla="val 51861"/>
+              <a:gd name="adj3" fmla="val -410268"/>
+            </a:avLst>
+          </a:prstGeom>
+        </p:spPr>
+        <p:style>
+          <a:lnRef idx="1">
+            <a:schemeClr val="accent1"/>
+          </a:lnRef>
+          <a:fillRef idx="0">
+            <a:schemeClr val="accent1"/>
+          </a:fillRef>
+          <a:effectRef idx="0">
+            <a:schemeClr val="accent1"/>
+          </a:effectRef>
+          <a:fontRef idx="minor">
+            <a:schemeClr val="tx1"/>
+          </a:fontRef>
+        </p:style>
+      </p:cxnSp>
+      <p:grpSp>
+        <p:nvGrpSpPr>
+          <p:cNvPr id="12" name="54 Grupo"/>
+          <p:cNvGrpSpPr/>
+          <p:nvPr/>
+        </p:nvGrpSpPr>
+        <p:grpSpPr>
+          <a:xfrm>
+            <a:off x="2771800" y="332656"/>
+            <a:ext cx="1152128" cy="720080"/>
+            <a:chOff x="6804248" y="692696"/>
+            <a:chExt cx="1800200" cy="1008112"/>
+          </a:xfrm>
+        </p:grpSpPr>
+        <p:sp>
+          <p:nvSpPr>
+            <p:cNvPr id="56" name="55 Rectángulo"/>
+            <p:cNvSpPr/>
+            <p:nvPr/>
+          </p:nvSpPr>
+          <p:spPr>
+            <a:xfrm>
+              <a:off x="7164288" y="692696"/>
+              <a:ext cx="1152128" cy="648072"/>
+            </a:xfrm>
+            <a:prstGeom prst="rect">
+              <a:avLst/>
+            </a:prstGeom>
+            <a:solidFill>
+              <a:schemeClr val="tx1">
+                <a:lumMod val="65000"/>
+                <a:lumOff val="35000"/>
+              </a:schemeClr>
+            </a:solidFill>
+          </p:spPr>
+          <p:style>
+            <a:lnRef idx="2">
+              <a:schemeClr val="accent1">
+                <a:shade val="50000"/>
+              </a:schemeClr>
+            </a:lnRef>
+            <a:fillRef idx="1">
+              <a:schemeClr val="accent1"/>
+            </a:fillRef>
+            <a:effectRef idx="0">
+              <a:schemeClr val="accent1"/>
+            </a:effectRef>
+            <a:fontRef idx="minor">
+              <a:schemeClr val="lt1"/>
+            </a:fontRef>
+          </p:style>
+          <p:txBody>
+            <a:bodyPr rtlCol="0" anchor="ctr"/>
+            <a:lstStyle/>
+            <a:p>
+              <a:pPr algn="ctr"/>
+              <a:endParaRPr lang="es-ES" dirty="0">
+                <a:solidFill>
+                  <a:srgbClr val="FF0000"/>
+                </a:solidFill>
+              </a:endParaRPr>
+            </a:p>
+          </p:txBody>
+        </p:sp>
+        <p:sp>
+          <p:nvSpPr>
+            <p:cNvPr id="57" name="56 Trapecio"/>
+            <p:cNvSpPr/>
+            <p:nvPr/>
+          </p:nvSpPr>
+          <p:spPr>
+            <a:xfrm>
+              <a:off x="6804248" y="1340768"/>
+              <a:ext cx="1800200" cy="360040"/>
+            </a:xfrm>
+            <a:prstGeom prst="trapezoid">
+              <a:avLst>
+                <a:gd name="adj" fmla="val 90307"/>
+              </a:avLst>
+            </a:prstGeom>
+          </p:spPr>
+          <p:style>
+            <a:lnRef idx="2">
+              <a:schemeClr val="accent1">
+                <a:shade val="50000"/>
+              </a:schemeClr>
+            </a:lnRef>
+            <a:fillRef idx="1">
+              <a:schemeClr val="accent1"/>
+            </a:fillRef>
+            <a:effectRef idx="0">
+              <a:schemeClr val="accent1"/>
+            </a:effectRef>
+            <a:fontRef idx="minor">
+              <a:schemeClr val="lt1"/>
+            </a:fontRef>
+          </p:style>
+          <p:txBody>
+            <a:bodyPr rtlCol="0" anchor="ctr"/>
+            <a:lstStyle/>
+            <a:p>
+              <a:pPr algn="ctr"/>
+              <a:endParaRPr lang="es-ES"/>
+            </a:p>
+          </p:txBody>
+        </p:sp>
+      </p:grpSp>
+      <p:sp>
+        <p:nvSpPr>
+          <p:cNvPr id="70" name="69 Rectángulo"/>
+          <p:cNvSpPr/>
+          <p:nvPr/>
+        </p:nvSpPr>
+        <p:spPr>
+          <a:xfrm>
+            <a:off x="7596336" y="3429000"/>
+            <a:ext cx="1224136" cy="576064"/>
+          </a:xfrm>
+          <a:prstGeom prst="rect">
+            <a:avLst/>
+          </a:prstGeom>
+          <a:solidFill>
+            <a:srgbClr val="92D050"/>
+          </a:solidFill>
+        </p:spPr>
+        <p:style>
+          <a:lnRef idx="2">
+            <a:schemeClr val="accent1">
+              <a:shade val="50000"/>
+            </a:schemeClr>
+          </a:lnRef>
+          <a:fillRef idx="1">
+            <a:schemeClr val="accent1"/>
+          </a:fillRef>
+          <a:effectRef idx="0">
+            <a:schemeClr val="accent1"/>
+          </a:effectRef>
+          <a:fontRef idx="minor">
+            <a:schemeClr val="lt1"/>
+          </a:fontRef>
+        </p:style>
+        <p:txBody>
+          <a:bodyPr rtlCol="0" anchor="ctr"/>
+          <a:lstStyle/>
+          <a:p>
+            <a:pPr algn="ctr"/>
+            <a:r>
+              <a:rPr lang="es-ES" dirty="0" smtClean="0">
+                <a:solidFill>
+                  <a:srgbClr val="FF0000"/>
+                </a:solidFill>
+              </a:rPr>
+              <a:t>web vía</a:t>
+            </a:r>
+          </a:p>
+          <a:p>
+            <a:pPr algn="ctr"/>
+            <a:r>
+              <a:rPr lang="es-ES" b="1" dirty="0" smtClean="0"/>
+              <a:t>HTTPS</a:t>
+            </a:r>
+            <a:endParaRPr lang="es-ES" dirty="0">
+              <a:solidFill>
+                <a:srgbClr val="FF0000"/>
+              </a:solidFill>
+            </a:endParaRPr>
+          </a:p>
+        </p:txBody>
+      </p:sp>
+      <p:cxnSp>
+        <p:nvCxnSpPr>
+          <p:cNvPr id="77" name="76 Conector angular"/>
+          <p:cNvCxnSpPr>
+            <a:stCxn id="38" idx="1"/>
+            <a:endCxn id="70" idx="0"/>
+          </p:cNvCxnSpPr>
+          <p:nvPr/>
+        </p:nvCxnSpPr>
+        <p:spPr>
+          <a:xfrm rot="16200000" flipH="1">
+            <a:off x="7541717" y="2762312"/>
+            <a:ext cx="721307" cy="612068"/>
+          </a:xfrm>
+          <a:prstGeom prst="bentConnector3">
+            <a:avLst>
+              <a:gd name="adj1" fmla="val 50000"/>
+            </a:avLst>
+          </a:prstGeom>
+        </p:spPr>
+        <p:style>
+          <a:lnRef idx="1">
+            <a:schemeClr val="accent1"/>
+          </a:lnRef>
+          <a:fillRef idx="0">
+            <a:schemeClr val="accent1"/>
+          </a:fillRef>
+          <a:effectRef idx="0">
+            <a:schemeClr val="accent1"/>
+          </a:effectRef>
+          <a:fontRef idx="minor">
+            <a:schemeClr val="tx1"/>
+          </a:fontRef>
+        </p:style>
+      </p:cxnSp>
+      <p:sp>
+        <p:nvSpPr>
+          <p:cNvPr id="83" name="82 Rectángulo"/>
+          <p:cNvSpPr/>
+          <p:nvPr/>
+        </p:nvSpPr>
+        <p:spPr>
+          <a:xfrm>
+            <a:off x="827584" y="2348880"/>
+            <a:ext cx="2016224" cy="936104"/>
+          </a:xfrm>
+          <a:prstGeom prst="rect">
+            <a:avLst/>
+          </a:prstGeom>
+          <a:solidFill>
+            <a:srgbClr val="92D050"/>
+          </a:solidFill>
+        </p:spPr>
+        <p:style>
+          <a:lnRef idx="2">
+            <a:schemeClr val="accent1">
+              <a:shade val="50000"/>
+            </a:schemeClr>
+          </a:lnRef>
+          <a:fillRef idx="1">
+            <a:schemeClr val="accent1"/>
+          </a:fillRef>
+          <a:effectRef idx="0">
+            <a:schemeClr val="accent1"/>
+          </a:effectRef>
+          <a:fontRef idx="minor">
+            <a:schemeClr val="lt1"/>
+          </a:fontRef>
+        </p:style>
+        <p:txBody>
+          <a:bodyPr rtlCol="0" anchor="ctr"/>
+          <a:lstStyle/>
+          <a:p>
+            <a:pPr algn="ctr"/>
+            <a:r>
+              <a:rPr lang="es-ES" sz="1400" dirty="0" smtClean="0">
+                <a:solidFill>
+                  <a:srgbClr val="FF0000"/>
+                </a:solidFill>
+              </a:rPr>
+              <a:t>SERVIDOR</a:t>
+            </a:r>
+          </a:p>
+          <a:p>
+            <a:pPr algn="ctr"/>
+            <a:r>
+              <a:rPr lang="es-ES" sz="1400" dirty="0" smtClean="0">
+                <a:solidFill>
+                  <a:srgbClr val="FF0000"/>
+                </a:solidFill>
+              </a:rPr>
+              <a:t>APLICACIONES</a:t>
+            </a:r>
+            <a:endParaRPr lang="es-ES" sz="1400" dirty="0">
+              <a:solidFill>
+                <a:srgbClr val="FF0000"/>
+              </a:solidFill>
+            </a:endParaRPr>
+          </a:p>
+        </p:txBody>
+      </p:sp>
+      <p:sp>
+        <p:nvSpPr>
+          <p:cNvPr id="87" name="86 Rectángulo"/>
+          <p:cNvSpPr/>
+          <p:nvPr/>
+        </p:nvSpPr>
+        <p:spPr>
+          <a:xfrm>
+            <a:off x="2915816" y="2348880"/>
+            <a:ext cx="1512168" cy="936104"/>
+          </a:xfrm>
+          <a:prstGeom prst="rect">
+            <a:avLst/>
+          </a:prstGeom>
+          <a:solidFill>
+            <a:srgbClr val="92D050"/>
+          </a:solidFill>
+        </p:spPr>
+        <p:style>
+          <a:lnRef idx="2">
+            <a:schemeClr val="accent1">
+              <a:shade val="50000"/>
+            </a:schemeClr>
+          </a:lnRef>
+          <a:fillRef idx="1">
+            <a:schemeClr val="accent1"/>
+          </a:fillRef>
+          <a:effectRef idx="0">
+            <a:schemeClr val="accent1"/>
+          </a:effectRef>
+          <a:fontRef idx="minor">
+            <a:schemeClr val="lt1"/>
+          </a:fontRef>
+        </p:style>
+        <p:txBody>
+          <a:bodyPr rtlCol="0" anchor="ctr"/>
+          <a:lstStyle/>
+          <a:p>
+            <a:pPr algn="ctr"/>
+            <a:r>
+              <a:rPr lang="es-ES" sz="1400" dirty="0" smtClean="0">
+                <a:solidFill>
+                  <a:srgbClr val="FF0000"/>
+                </a:solidFill>
+              </a:rPr>
+              <a:t>SERVIDOR</a:t>
+            </a:r>
+          </a:p>
+          <a:p>
+            <a:pPr algn="ctr"/>
+            <a:r>
+              <a:rPr lang="es-ES" sz="1400" dirty="0" smtClean="0">
+                <a:solidFill>
+                  <a:srgbClr val="FF0000"/>
+                </a:solidFill>
+              </a:rPr>
+              <a:t>APLICACIONES</a:t>
+            </a:r>
+            <a:endParaRPr lang="es-ES" sz="1400" dirty="0">
+              <a:solidFill>
+                <a:srgbClr val="FF0000"/>
+              </a:solidFill>
+            </a:endParaRPr>
+          </a:p>
+        </p:txBody>
+      </p:sp>
+      <p:cxnSp>
+        <p:nvCxnSpPr>
+          <p:cNvPr id="89" name="88 Conector angular"/>
+          <p:cNvCxnSpPr>
+            <a:endCxn id="124" idx="0"/>
+          </p:cNvCxnSpPr>
+          <p:nvPr/>
+        </p:nvCxnSpPr>
+        <p:spPr>
+          <a:xfrm rot="5400000">
+            <a:off x="3401871" y="3410999"/>
+            <a:ext cx="432046" cy="36004"/>
+          </a:xfrm>
+          <a:prstGeom prst="bentConnector3">
+            <a:avLst>
+              <a:gd name="adj1" fmla="val 50000"/>
+            </a:avLst>
+          </a:prstGeom>
+        </p:spPr>
+        <p:style>
+          <a:lnRef idx="1">
+            <a:schemeClr val="accent1"/>
+          </a:lnRef>
+          <a:fillRef idx="0">
+            <a:schemeClr val="accent1"/>
+          </a:fillRef>
+          <a:effectRef idx="0">
+            <a:schemeClr val="accent1"/>
+          </a:effectRef>
+          <a:fontRef idx="minor">
+            <a:schemeClr val="tx1"/>
+          </a:fontRef>
+        </p:style>
+      </p:cxnSp>
+      <p:cxnSp>
+        <p:nvCxnSpPr>
+          <p:cNvPr id="99" name="98 Conector angular"/>
+          <p:cNvCxnSpPr>
+            <a:stCxn id="83" idx="2"/>
+            <a:endCxn id="7" idx="0"/>
+          </p:cNvCxnSpPr>
+          <p:nvPr/>
+        </p:nvCxnSpPr>
+        <p:spPr>
+          <a:xfrm rot="5400000">
+            <a:off x="1421650" y="3230978"/>
+            <a:ext cx="360040" cy="468052"/>
+          </a:xfrm>
+          <a:prstGeom prst="bentConnector3">
+            <a:avLst>
+              <a:gd name="adj1" fmla="val 50000"/>
+            </a:avLst>
+          </a:prstGeom>
+        </p:spPr>
+        <p:style>
+          <a:lnRef idx="1">
+            <a:schemeClr val="accent1"/>
+          </a:lnRef>
+          <a:fillRef idx="0">
+            <a:schemeClr val="accent1"/>
+          </a:fillRef>
+          <a:effectRef idx="0">
+            <a:schemeClr val="accent1"/>
+          </a:effectRef>
+          <a:fontRef idx="minor">
+            <a:schemeClr val="tx1"/>
+          </a:fontRef>
+        </p:style>
+      </p:cxnSp>
+      <p:cxnSp>
+        <p:nvCxnSpPr>
+          <p:cNvPr id="101" name="100 Conector angular"/>
+          <p:cNvCxnSpPr>
+            <a:endCxn id="123" idx="0"/>
+          </p:cNvCxnSpPr>
+          <p:nvPr/>
+        </p:nvCxnSpPr>
+        <p:spPr>
+          <a:xfrm rot="16200000" flipH="1">
+            <a:off x="2000447" y="3197707"/>
+            <a:ext cx="360040" cy="534594"/>
+          </a:xfrm>
+          <a:prstGeom prst="bentConnector3">
+            <a:avLst>
+              <a:gd name="adj1" fmla="val 50000"/>
+            </a:avLst>
+          </a:prstGeom>
+        </p:spPr>
+        <p:style>
+          <a:lnRef idx="1">
+            <a:schemeClr val="accent1"/>
+          </a:lnRef>
+          <a:fillRef idx="0">
+            <a:schemeClr val="accent1"/>
+          </a:fillRef>
+          <a:effectRef idx="0">
+            <a:schemeClr val="accent1"/>
+          </a:effectRef>
+          <a:fontRef idx="minor">
+            <a:schemeClr val="tx1"/>
+          </a:fontRef>
+        </p:style>
+      </p:cxnSp>
+      <p:sp>
+        <p:nvSpPr>
+          <p:cNvPr id="123" name="122 Rectángulo"/>
+          <p:cNvSpPr/>
+          <p:nvPr/>
+        </p:nvSpPr>
+        <p:spPr>
+          <a:xfrm>
+            <a:off x="1979712" y="3645024"/>
+            <a:ext cx="936104" cy="576064"/>
+          </a:xfrm>
+          <a:prstGeom prst="rect">
+            <a:avLst/>
+          </a:prstGeom>
+          <a:solidFill>
+            <a:srgbClr val="92D050"/>
+          </a:solidFill>
+        </p:spPr>
+        <p:style>
+          <a:lnRef idx="2">
+            <a:schemeClr val="accent1">
+              <a:shade val="50000"/>
+            </a:schemeClr>
+          </a:lnRef>
+          <a:fillRef idx="1">
+            <a:schemeClr val="accent1"/>
+          </a:fillRef>
+          <a:effectRef idx="0">
+            <a:schemeClr val="accent1"/>
+          </a:effectRef>
+          <a:fontRef idx="minor">
+            <a:schemeClr val="lt1"/>
+          </a:fontRef>
+        </p:style>
+        <p:txBody>
+          <a:bodyPr rtlCol="0" anchor="t"/>
+          <a:lstStyle/>
+          <a:p>
+            <a:pPr algn="ctr"/>
+            <a:r>
+              <a:rPr lang="es-ES" sz="1400" dirty="0" smtClean="0">
+                <a:solidFill>
+                  <a:srgbClr val="FF0000"/>
+                </a:solidFill>
+              </a:rPr>
+              <a:t>SERVIDOR</a:t>
+            </a:r>
+          </a:p>
+          <a:p>
+            <a:pPr algn="ctr"/>
+            <a:r>
+              <a:rPr lang="es-ES" sz="1400" dirty="0" smtClean="0">
+                <a:solidFill>
+                  <a:srgbClr val="FF0000"/>
+                </a:solidFill>
+              </a:rPr>
+              <a:t>BBDD</a:t>
+            </a:r>
+          </a:p>
+        </p:txBody>
+      </p:sp>
+      <p:sp>
+        <p:nvSpPr>
+          <p:cNvPr id="124" name="123 Rectángulo"/>
+          <p:cNvSpPr/>
+          <p:nvPr/>
+        </p:nvSpPr>
+        <p:spPr>
+          <a:xfrm>
+            <a:off x="3131840" y="3645024"/>
+            <a:ext cx="936104" cy="576064"/>
+          </a:xfrm>
+          <a:prstGeom prst="rect">
+            <a:avLst/>
+          </a:prstGeom>
+          <a:solidFill>
+            <a:srgbClr val="92D050"/>
+          </a:solidFill>
+        </p:spPr>
+        <p:style>
+          <a:lnRef idx="2">
+            <a:schemeClr val="accent1">
+              <a:shade val="50000"/>
+            </a:schemeClr>
+          </a:lnRef>
+          <a:fillRef idx="1">
+            <a:schemeClr val="accent1"/>
+          </a:fillRef>
+          <a:effectRef idx="0">
+            <a:schemeClr val="accent1"/>
+          </a:effectRef>
+          <a:fontRef idx="minor">
+            <a:schemeClr val="lt1"/>
+          </a:fontRef>
+        </p:style>
+        <p:txBody>
+          <a:bodyPr rtlCol="0" anchor="t"/>
+          <a:lstStyle/>
+          <a:p>
+            <a:pPr algn="ctr"/>
+            <a:r>
+              <a:rPr lang="es-ES" sz="1400" dirty="0" smtClean="0">
+                <a:solidFill>
+                  <a:srgbClr val="FF0000"/>
+                </a:solidFill>
+              </a:rPr>
+              <a:t>SERVIDOR</a:t>
+            </a:r>
+          </a:p>
+          <a:p>
+            <a:pPr algn="ctr"/>
+            <a:r>
+              <a:rPr lang="es-ES" sz="1400" dirty="0" smtClean="0">
+                <a:solidFill>
+                  <a:srgbClr val="FF0000"/>
+                </a:solidFill>
+              </a:rPr>
+              <a:t>BBDD</a:t>
+            </a:r>
+          </a:p>
+        </p:txBody>
+      </p:sp>
+      <p:grpSp>
+        <p:nvGrpSpPr>
+          <p:cNvPr id="16" name="136 Grupo"/>
+          <p:cNvGrpSpPr/>
+          <p:nvPr/>
+        </p:nvGrpSpPr>
+        <p:grpSpPr>
+          <a:xfrm>
+            <a:off x="179512" y="620688"/>
+            <a:ext cx="792088" cy="720080"/>
+            <a:chOff x="6804248" y="692696"/>
+            <a:chExt cx="1800200" cy="1008112"/>
+          </a:xfrm>
+        </p:grpSpPr>
+        <p:sp>
+          <p:nvSpPr>
+            <p:cNvPr id="138" name="137 Rectángulo"/>
+            <p:cNvSpPr/>
+            <p:nvPr/>
+          </p:nvSpPr>
+          <p:spPr>
+            <a:xfrm>
+              <a:off x="7164288" y="692696"/>
+              <a:ext cx="1152128" cy="648072"/>
+            </a:xfrm>
+            <a:prstGeom prst="rect">
+              <a:avLst/>
+            </a:prstGeom>
+            <a:solidFill>
+              <a:schemeClr val="tx1">
+                <a:lumMod val="65000"/>
+                <a:lumOff val="35000"/>
+              </a:schemeClr>
+            </a:solidFill>
+          </p:spPr>
+          <p:style>
+            <a:lnRef idx="2">
+              <a:schemeClr val="accent1">
+                <a:shade val="50000"/>
+              </a:schemeClr>
+            </a:lnRef>
+            <a:fillRef idx="1">
+              <a:schemeClr val="accent1"/>
+            </a:fillRef>
+            <a:effectRef idx="0">
+              <a:schemeClr val="accent1"/>
+            </a:effectRef>
+            <a:fontRef idx="minor">
+              <a:schemeClr val="lt1"/>
+            </a:fontRef>
+          </p:style>
+          <p:txBody>
+            <a:bodyPr rtlCol="0" anchor="ctr"/>
+            <a:lstStyle/>
+            <a:p>
+              <a:pPr algn="ctr"/>
+              <a:endParaRPr lang="es-ES" dirty="0">
+                <a:solidFill>
+                  <a:srgbClr val="FF0000"/>
+                </a:solidFill>
+              </a:endParaRPr>
+            </a:p>
+          </p:txBody>
+        </p:sp>
+        <p:sp>
+          <p:nvSpPr>
+            <p:cNvPr id="139" name="138 Trapecio"/>
+            <p:cNvSpPr/>
+            <p:nvPr/>
+          </p:nvSpPr>
+          <p:spPr>
+            <a:xfrm>
+              <a:off x="6804248" y="1340768"/>
+              <a:ext cx="1800200" cy="360040"/>
+            </a:xfrm>
+            <a:prstGeom prst="trapezoid">
+              <a:avLst>
+                <a:gd name="adj" fmla="val 90307"/>
+              </a:avLst>
+            </a:prstGeom>
+          </p:spPr>
+          <p:style>
+            <a:lnRef idx="2">
+              <a:schemeClr val="accent1">
+                <a:shade val="50000"/>
+              </a:schemeClr>
+            </a:lnRef>
+            <a:fillRef idx="1">
+              <a:schemeClr val="accent1"/>
+            </a:fillRef>
+            <a:effectRef idx="0">
+              <a:schemeClr val="accent1"/>
+            </a:effectRef>
+            <a:fontRef idx="minor">
+              <a:schemeClr val="lt1"/>
+            </a:fontRef>
+          </p:style>
+          <p:txBody>
+            <a:bodyPr rtlCol="0" anchor="ctr"/>
+            <a:lstStyle/>
+            <a:p>
+              <a:pPr algn="ctr"/>
+              <a:endParaRPr lang="es-ES"/>
+            </a:p>
+          </p:txBody>
+        </p:sp>
+      </p:grpSp>
+      <p:cxnSp>
+        <p:nvCxnSpPr>
+          <p:cNvPr id="147" name="146 Forma"/>
+          <p:cNvCxnSpPr>
+            <a:stCxn id="138" idx="1"/>
+            <a:endCxn id="7" idx="1"/>
+          </p:cNvCxnSpPr>
+          <p:nvPr/>
+        </p:nvCxnSpPr>
+        <p:spPr>
+          <a:xfrm rot="10800000" flipH="1" flipV="1">
+            <a:off x="337930" y="852142"/>
+            <a:ext cx="561662" cy="3080913"/>
+          </a:xfrm>
+          <a:prstGeom prst="bentConnector3">
+            <a:avLst>
+              <a:gd name="adj1" fmla="val -40701"/>
+            </a:avLst>
+          </a:prstGeom>
+        </p:spPr>
+        <p:style>
+          <a:lnRef idx="1">
+            <a:schemeClr val="accent1"/>
+          </a:lnRef>
+          <a:fillRef idx="0">
+            <a:schemeClr val="accent1"/>
+          </a:fillRef>
+          <a:effectRef idx="0">
+            <a:schemeClr val="accent1"/>
+          </a:effectRef>
+          <a:fontRef idx="minor">
+            <a:schemeClr val="tx1"/>
+          </a:fontRef>
+        </p:style>
+      </p:cxnSp>
+      <p:grpSp>
+        <p:nvGrpSpPr>
+          <p:cNvPr id="20" name="151 Grupo"/>
+          <p:cNvGrpSpPr/>
+          <p:nvPr/>
+        </p:nvGrpSpPr>
+        <p:grpSpPr>
+          <a:xfrm>
+            <a:off x="2195736" y="5138608"/>
+            <a:ext cx="864096" cy="432048"/>
+            <a:chOff x="323528" y="4437112"/>
+            <a:chExt cx="720080" cy="936104"/>
+          </a:xfrm>
+        </p:grpSpPr>
+        <p:sp>
+          <p:nvSpPr>
+            <p:cNvPr id="149" name="148 Disco magnético"/>
+            <p:cNvSpPr/>
+            <p:nvPr/>
+          </p:nvSpPr>
+          <p:spPr>
+            <a:xfrm>
+              <a:off x="323528" y="4437112"/>
+              <a:ext cx="360040" cy="576064"/>
+            </a:xfrm>
+            <a:prstGeom prst="flowChartMagneticDisk">
+              <a:avLst/>
+            </a:prstGeom>
+          </p:spPr>
+          <p:style>
+            <a:lnRef idx="2">
+              <a:schemeClr val="accent1">
+                <a:shade val="50000"/>
+              </a:schemeClr>
+            </a:lnRef>
+            <a:fillRef idx="1">
+              <a:schemeClr val="accent1"/>
+            </a:fillRef>
+            <a:effectRef idx="0">
+              <a:schemeClr val="accent1"/>
+            </a:effectRef>
+            <a:fontRef idx="minor">
+              <a:schemeClr val="lt1"/>
+            </a:fontRef>
+          </p:style>
+          <p:txBody>
+            <a:bodyPr rtlCol="0" anchor="ctr"/>
+            <a:lstStyle/>
+            <a:p>
+              <a:pPr algn="ctr"/>
+              <a:endParaRPr lang="es-ES"/>
+            </a:p>
+          </p:txBody>
+        </p:sp>
+        <p:sp>
+          <p:nvSpPr>
+            <p:cNvPr id="150" name="149 Disco magnético"/>
+            <p:cNvSpPr/>
+            <p:nvPr/>
+          </p:nvSpPr>
+          <p:spPr>
+            <a:xfrm>
+              <a:off x="467544" y="4653136"/>
+              <a:ext cx="360040" cy="576064"/>
+            </a:xfrm>
+            <a:prstGeom prst="flowChartMagneticDisk">
+              <a:avLst/>
+            </a:prstGeom>
+          </p:spPr>
+          <p:style>
+            <a:lnRef idx="2">
+              <a:schemeClr val="accent1">
+                <a:shade val="50000"/>
+              </a:schemeClr>
+            </a:lnRef>
+            <a:fillRef idx="1">
+              <a:schemeClr val="accent1"/>
+            </a:fillRef>
+            <a:effectRef idx="0">
+              <a:schemeClr val="accent1"/>
+            </a:effectRef>
+            <a:fontRef idx="minor">
+              <a:schemeClr val="lt1"/>
+            </a:fontRef>
+          </p:style>
+          <p:txBody>
+            <a:bodyPr rtlCol="0" anchor="ctr"/>
+            <a:lstStyle/>
+            <a:p>
+              <a:pPr algn="ctr"/>
+              <a:endParaRPr lang="es-ES"/>
+            </a:p>
+          </p:txBody>
+        </p:sp>
+        <p:sp>
+          <p:nvSpPr>
+            <p:cNvPr id="151" name="150 Disco magnético"/>
+            <p:cNvSpPr/>
+            <p:nvPr/>
+          </p:nvSpPr>
+          <p:spPr>
+            <a:xfrm>
+              <a:off x="683568" y="4797152"/>
+              <a:ext cx="360040" cy="576064"/>
+            </a:xfrm>
+            <a:prstGeom prst="flowChartMagneticDisk">
+              <a:avLst/>
+            </a:prstGeom>
+          </p:spPr>
+          <p:style>
+            <a:lnRef idx="2">
+              <a:schemeClr val="accent1">
+                <a:shade val="50000"/>
+              </a:schemeClr>
+            </a:lnRef>
+            <a:fillRef idx="1">
+              <a:schemeClr val="accent1"/>
+            </a:fillRef>
+            <a:effectRef idx="0">
+              <a:schemeClr val="accent1"/>
+            </a:effectRef>
+            <a:fontRef idx="minor">
+              <a:schemeClr val="lt1"/>
+            </a:fontRef>
+          </p:style>
+          <p:txBody>
+            <a:bodyPr rtlCol="0" anchor="ctr"/>
+            <a:lstStyle/>
+            <a:p>
+              <a:pPr algn="ctr"/>
+              <a:endParaRPr lang="es-ES"/>
+            </a:p>
+          </p:txBody>
+        </p:sp>
+      </p:grpSp>
+      <p:grpSp>
+        <p:nvGrpSpPr>
+          <p:cNvPr id="26" name="152 Grupo"/>
+          <p:cNvGrpSpPr/>
+          <p:nvPr/>
+        </p:nvGrpSpPr>
+        <p:grpSpPr>
+          <a:xfrm>
+            <a:off x="971600" y="5210616"/>
+            <a:ext cx="936104" cy="576064"/>
+            <a:chOff x="323528" y="4437112"/>
+            <a:chExt cx="720080" cy="936104"/>
+          </a:xfrm>
+        </p:grpSpPr>
+        <p:sp>
+          <p:nvSpPr>
+            <p:cNvPr id="154" name="153 Disco magnético"/>
+            <p:cNvSpPr/>
+            <p:nvPr/>
+          </p:nvSpPr>
+          <p:spPr>
+            <a:xfrm>
+              <a:off x="323528" y="4437112"/>
+              <a:ext cx="360040" cy="576064"/>
+            </a:xfrm>
+            <a:prstGeom prst="flowChartMagneticDisk">
+              <a:avLst/>
+            </a:prstGeom>
+          </p:spPr>
+          <p:style>
+            <a:lnRef idx="2">
+              <a:schemeClr val="accent1">
+                <a:shade val="50000"/>
+              </a:schemeClr>
+            </a:lnRef>
+            <a:fillRef idx="1">
+              <a:schemeClr val="accent1"/>
+            </a:fillRef>
+            <a:effectRef idx="0">
+              <a:schemeClr val="accent1"/>
+            </a:effectRef>
+            <a:fontRef idx="minor">
+              <a:schemeClr val="lt1"/>
+            </a:fontRef>
+          </p:style>
+          <p:txBody>
+            <a:bodyPr rtlCol="0" anchor="ctr"/>
+            <a:lstStyle/>
+            <a:p>
+              <a:pPr algn="ctr"/>
+              <a:endParaRPr lang="es-ES"/>
+            </a:p>
+          </p:txBody>
+        </p:sp>
+        <p:sp>
+          <p:nvSpPr>
+            <p:cNvPr id="155" name="154 Disco magnético"/>
+            <p:cNvSpPr/>
+            <p:nvPr/>
+          </p:nvSpPr>
+          <p:spPr>
+            <a:xfrm>
+              <a:off x="467544" y="4653136"/>
+              <a:ext cx="360040" cy="576064"/>
+            </a:xfrm>
+            <a:prstGeom prst="flowChartMagneticDisk">
+              <a:avLst/>
+            </a:prstGeom>
+          </p:spPr>
+          <p:style>
+            <a:lnRef idx="2">
+              <a:schemeClr val="accent1">
+                <a:shade val="50000"/>
+              </a:schemeClr>
+            </a:lnRef>
+            <a:fillRef idx="1">
+              <a:schemeClr val="accent1"/>
+            </a:fillRef>
+            <a:effectRef idx="0">
+              <a:schemeClr val="accent1"/>
+            </a:effectRef>
+            <a:fontRef idx="minor">
+              <a:schemeClr val="lt1"/>
+            </a:fontRef>
+          </p:style>
+          <p:txBody>
+            <a:bodyPr rtlCol="0" anchor="ctr"/>
+            <a:lstStyle/>
+            <a:p>
+              <a:pPr algn="ctr"/>
+              <a:endParaRPr lang="es-ES"/>
+            </a:p>
+          </p:txBody>
+        </p:sp>
+        <p:sp>
+          <p:nvSpPr>
+            <p:cNvPr id="156" name="155 Disco magnético"/>
+            <p:cNvSpPr/>
+            <p:nvPr/>
+          </p:nvSpPr>
+          <p:spPr>
+            <a:xfrm>
+              <a:off x="683568" y="4797152"/>
+              <a:ext cx="360040" cy="576064"/>
+            </a:xfrm>
+            <a:prstGeom prst="flowChartMagneticDisk">
+              <a:avLst/>
+            </a:prstGeom>
+          </p:spPr>
+          <p:style>
+            <a:lnRef idx="2">
+              <a:schemeClr val="accent1">
+                <a:shade val="50000"/>
+              </a:schemeClr>
+            </a:lnRef>
+            <a:fillRef idx="1">
+              <a:schemeClr val="accent1"/>
+            </a:fillRef>
+            <a:effectRef idx="0">
+              <a:schemeClr val="accent1"/>
+            </a:effectRef>
+            <a:fontRef idx="minor">
+              <a:schemeClr val="lt1"/>
+            </a:fontRef>
+          </p:style>
+          <p:txBody>
+            <a:bodyPr rtlCol="0" anchor="ctr"/>
+            <a:lstStyle/>
+            <a:p>
+              <a:pPr algn="ctr"/>
+              <a:endParaRPr lang="es-ES"/>
+            </a:p>
+          </p:txBody>
+        </p:sp>
+      </p:grpSp>
+      <p:grpSp>
+        <p:nvGrpSpPr>
+          <p:cNvPr id="32" name="156 Grupo"/>
+          <p:cNvGrpSpPr/>
+          <p:nvPr/>
+        </p:nvGrpSpPr>
+        <p:grpSpPr>
+          <a:xfrm>
+            <a:off x="3419872" y="5282624"/>
+            <a:ext cx="720080" cy="504056"/>
+            <a:chOff x="323528" y="4437112"/>
+            <a:chExt cx="720080" cy="936104"/>
+          </a:xfrm>
+        </p:grpSpPr>
+        <p:sp>
+          <p:nvSpPr>
+            <p:cNvPr id="158" name="157 Disco magnético"/>
+            <p:cNvSpPr/>
+            <p:nvPr/>
+          </p:nvSpPr>
+          <p:spPr>
+            <a:xfrm>
+              <a:off x="323528" y="4437112"/>
+              <a:ext cx="360040" cy="576064"/>
+            </a:xfrm>
+            <a:prstGeom prst="flowChartMagneticDisk">
+              <a:avLst/>
+            </a:prstGeom>
+          </p:spPr>
+          <p:style>
+            <a:lnRef idx="2">
+              <a:schemeClr val="accent1">
+                <a:shade val="50000"/>
+              </a:schemeClr>
+            </a:lnRef>
+            <a:fillRef idx="1">
+              <a:schemeClr val="accent1"/>
+            </a:fillRef>
+            <a:effectRef idx="0">
+              <a:schemeClr val="accent1"/>
+            </a:effectRef>
+            <a:fontRef idx="minor">
+              <a:schemeClr val="lt1"/>
+            </a:fontRef>
+          </p:style>
+          <p:txBody>
+            <a:bodyPr rtlCol="0" anchor="ctr"/>
+            <a:lstStyle/>
+            <a:p>
+              <a:pPr algn="ctr"/>
+              <a:endParaRPr lang="es-ES"/>
+            </a:p>
+          </p:txBody>
+        </p:sp>
+        <p:sp>
+          <p:nvSpPr>
+            <p:cNvPr id="159" name="158 Disco magnético"/>
+            <p:cNvSpPr/>
+            <p:nvPr/>
+          </p:nvSpPr>
+          <p:spPr>
+            <a:xfrm>
+              <a:off x="467544" y="4653136"/>
+              <a:ext cx="360040" cy="576064"/>
+            </a:xfrm>
+            <a:prstGeom prst="flowChartMagneticDisk">
+              <a:avLst/>
+            </a:prstGeom>
+          </p:spPr>
+          <p:style>
+            <a:lnRef idx="2">
+              <a:schemeClr val="accent1">
+                <a:shade val="50000"/>
+              </a:schemeClr>
+            </a:lnRef>
+            <a:fillRef idx="1">
+              <a:schemeClr val="accent1"/>
+            </a:fillRef>
+            <a:effectRef idx="0">
+              <a:schemeClr val="accent1"/>
+            </a:effectRef>
+            <a:fontRef idx="minor">
+              <a:schemeClr val="lt1"/>
+            </a:fontRef>
+          </p:style>
+          <p:txBody>
+            <a:bodyPr rtlCol="0" anchor="ctr"/>
+            <a:lstStyle/>
+            <a:p>
+              <a:pPr algn="ctr"/>
+              <a:endParaRPr lang="es-ES"/>
+            </a:p>
+          </p:txBody>
+        </p:sp>
+        <p:sp>
+          <p:nvSpPr>
+            <p:cNvPr id="160" name="159 Disco magnético"/>
+            <p:cNvSpPr/>
+            <p:nvPr/>
+          </p:nvSpPr>
+          <p:spPr>
+            <a:xfrm>
+              <a:off x="683568" y="4797152"/>
+              <a:ext cx="360040" cy="576064"/>
+            </a:xfrm>
+            <a:prstGeom prst="flowChartMagneticDisk">
+              <a:avLst/>
+            </a:prstGeom>
+          </p:spPr>
+          <p:style>
+            <a:lnRef idx="2">
+              <a:schemeClr val="accent1">
+                <a:shade val="50000"/>
+              </a:schemeClr>
+            </a:lnRef>
+            <a:fillRef idx="1">
+              <a:schemeClr val="accent1"/>
+            </a:fillRef>
+            <a:effectRef idx="0">
+              <a:schemeClr val="accent1"/>
+            </a:effectRef>
+            <a:fontRef idx="minor">
+              <a:schemeClr val="lt1"/>
+            </a:fontRef>
+          </p:style>
+          <p:txBody>
+            <a:bodyPr rtlCol="0" anchor="ctr"/>
+            <a:lstStyle/>
+            <a:p>
+              <a:pPr algn="ctr"/>
+              <a:endParaRPr lang="es-ES"/>
+            </a:p>
+          </p:txBody>
+        </p:sp>
+      </p:grpSp>
+      <p:sp>
+        <p:nvSpPr>
+          <p:cNvPr id="163" name="162 CuadroTexto"/>
+          <p:cNvSpPr txBox="1"/>
+          <p:nvPr/>
+        </p:nvSpPr>
+        <p:spPr>
+          <a:xfrm>
+            <a:off x="4716016" y="836712"/>
+            <a:ext cx="1945597" cy="2031325"/>
+          </a:xfrm>
+          <a:prstGeom prst="rect">
+            <a:avLst/>
+          </a:prstGeom>
+          <a:noFill/>
+        </p:spPr>
+        <p:txBody>
+          <a:bodyPr wrap="none" rtlCol="0">
+            <a:spAutoFit/>
+          </a:bodyPr>
+          <a:lstStyle/>
+          <a:p>
+            <a:r>
+              <a:rPr lang="es-ES" b="1" dirty="0" smtClean="0"/>
+              <a:t>TCP / IP</a:t>
+            </a:r>
+          </a:p>
+          <a:p>
+            <a:r>
+              <a:rPr lang="es-ES" b="1" dirty="0" smtClean="0"/>
+              <a:t>HTTP</a:t>
+            </a:r>
+            <a:endParaRPr lang="es-ES" b="1" dirty="0" smtClean="0"/>
+          </a:p>
+          <a:p>
+            <a:r>
+              <a:rPr lang="es-ES" b="1" dirty="0" smtClean="0"/>
+              <a:t>SSL</a:t>
+            </a:r>
+          </a:p>
+          <a:p>
+            <a:r>
+              <a:rPr lang="es-ES" b="1" dirty="0" smtClean="0"/>
+              <a:t>HTTP+SSL = HTTPS</a:t>
+            </a:r>
+            <a:endParaRPr lang="es-ES" b="1" dirty="0" smtClean="0"/>
+          </a:p>
+          <a:p>
+            <a:r>
+              <a:rPr lang="es-ES" b="1" dirty="0" smtClean="0"/>
+              <a:t>SSH</a:t>
+            </a:r>
+            <a:endParaRPr lang="es-ES" b="1" dirty="0" smtClean="0"/>
+          </a:p>
+          <a:p>
+            <a:r>
+              <a:rPr lang="es-ES" b="1" dirty="0" smtClean="0"/>
+              <a:t>FTP</a:t>
+            </a:r>
+            <a:endParaRPr lang="es-ES" b="1" dirty="0" smtClean="0"/>
+          </a:p>
+          <a:p>
+            <a:endParaRPr lang="es-ES" b="1" dirty="0"/>
+          </a:p>
+        </p:txBody>
+      </p:sp>
+      <p:cxnSp>
+        <p:nvCxnSpPr>
+          <p:cNvPr id="200" name="199 Conector angular"/>
+          <p:cNvCxnSpPr/>
+          <p:nvPr/>
+        </p:nvCxnSpPr>
+        <p:spPr>
+          <a:xfrm rot="5400000">
+            <a:off x="1007604" y="4545124"/>
+            <a:ext cx="720080" cy="72008"/>
+          </a:xfrm>
+          <a:prstGeom prst="bentConnector3">
+            <a:avLst>
+              <a:gd name="adj1" fmla="val 50000"/>
+            </a:avLst>
+          </a:prstGeom>
+        </p:spPr>
+        <p:style>
+          <a:lnRef idx="1">
+            <a:schemeClr val="accent1"/>
+          </a:lnRef>
+          <a:fillRef idx="0">
+            <a:schemeClr val="accent1"/>
+          </a:fillRef>
+          <a:effectRef idx="0">
+            <a:schemeClr val="accent1"/>
+          </a:effectRef>
+          <a:fontRef idx="minor">
+            <a:schemeClr val="tx1"/>
+          </a:fontRef>
+        </p:style>
+      </p:cxnSp>
+      <p:cxnSp>
+        <p:nvCxnSpPr>
+          <p:cNvPr id="202" name="201 Conector angular"/>
+          <p:cNvCxnSpPr>
+            <a:endCxn id="162" idx="0"/>
+          </p:cNvCxnSpPr>
+          <p:nvPr/>
+        </p:nvCxnSpPr>
+        <p:spPr>
+          <a:xfrm rot="5400000">
+            <a:off x="2043010" y="4553834"/>
+            <a:ext cx="701496" cy="36004"/>
+          </a:xfrm>
+          <a:prstGeom prst="bentConnector3">
+            <a:avLst>
+              <a:gd name="adj1" fmla="val 50000"/>
+            </a:avLst>
+          </a:prstGeom>
+        </p:spPr>
+        <p:style>
+          <a:lnRef idx="1">
+            <a:schemeClr val="accent1"/>
+          </a:lnRef>
+          <a:fillRef idx="0">
+            <a:schemeClr val="accent1"/>
+          </a:fillRef>
+          <a:effectRef idx="0">
+            <a:schemeClr val="accent1"/>
+          </a:effectRef>
+          <a:fontRef idx="minor">
+            <a:schemeClr val="tx1"/>
+          </a:fontRef>
+        </p:style>
+      </p:cxnSp>
+      <p:cxnSp>
+        <p:nvCxnSpPr>
+          <p:cNvPr id="206" name="205 Conector angular"/>
+          <p:cNvCxnSpPr>
+            <a:stCxn id="124" idx="2"/>
+          </p:cNvCxnSpPr>
+          <p:nvPr/>
+        </p:nvCxnSpPr>
+        <p:spPr>
+          <a:xfrm rot="5400000">
+            <a:off x="3077834" y="4491118"/>
+            <a:ext cx="792088" cy="252028"/>
+          </a:xfrm>
+          <a:prstGeom prst="bentConnector3">
+            <a:avLst>
+              <a:gd name="adj1" fmla="val 50000"/>
+            </a:avLst>
+          </a:prstGeom>
+        </p:spPr>
+        <p:style>
+          <a:lnRef idx="1">
+            <a:schemeClr val="accent1"/>
+          </a:lnRef>
+          <a:fillRef idx="0">
+            <a:schemeClr val="accent1"/>
+          </a:fillRef>
+          <a:effectRef idx="0">
+            <a:schemeClr val="accent1"/>
+          </a:effectRef>
+          <a:fontRef idx="minor">
+            <a:schemeClr val="tx1"/>
+          </a:fontRef>
+        </p:style>
+      </p:cxnSp>
+      <p:sp>
+        <p:nvSpPr>
+          <p:cNvPr id="126" name="125 Rectángulo"/>
+          <p:cNvSpPr/>
+          <p:nvPr/>
+        </p:nvSpPr>
+        <p:spPr>
+          <a:xfrm>
+            <a:off x="683568" y="5013176"/>
+            <a:ext cx="3528392" cy="936104"/>
+          </a:xfrm>
+          <a:prstGeom prst="rect">
+            <a:avLst/>
+          </a:prstGeom>
+          <a:solidFill>
+            <a:srgbClr val="92D050"/>
+          </a:solidFill>
+        </p:spPr>
+        <p:style>
+          <a:lnRef idx="2">
+            <a:schemeClr val="accent1">
+              <a:shade val="50000"/>
+            </a:schemeClr>
+          </a:lnRef>
+          <a:fillRef idx="1">
+            <a:schemeClr val="accent1"/>
+          </a:fillRef>
+          <a:effectRef idx="0">
+            <a:schemeClr val="accent1"/>
+          </a:effectRef>
+          <a:fontRef idx="minor">
+            <a:schemeClr val="lt1"/>
+          </a:fontRef>
+        </p:style>
+        <p:txBody>
+          <a:bodyPr rtlCol="0" anchor="t"/>
+          <a:lstStyle/>
+          <a:p>
+            <a:pPr algn="ctr"/>
+            <a:endParaRPr lang="es-ES" sz="1400" dirty="0" smtClean="0">
+              <a:solidFill>
+                <a:srgbClr val="FF0000"/>
+              </a:solidFill>
+            </a:endParaRPr>
+          </a:p>
+          <a:p>
+            <a:pPr algn="ctr"/>
+            <a:endParaRPr lang="es-ES" sz="1400" dirty="0" smtClean="0">
+              <a:solidFill>
+                <a:srgbClr val="FF0000"/>
+              </a:solidFill>
+            </a:endParaRPr>
+          </a:p>
+          <a:p>
+            <a:pPr algn="ctr"/>
+            <a:r>
+              <a:rPr lang="es-ES" sz="1400" dirty="0" smtClean="0">
+                <a:solidFill>
+                  <a:srgbClr val="FF0000"/>
+                </a:solidFill>
+              </a:rPr>
+              <a:t>SERVIDOR</a:t>
+            </a:r>
+          </a:p>
+          <a:p>
+            <a:pPr algn="ctr"/>
+            <a:r>
+              <a:rPr lang="es-ES" sz="1400" dirty="0" smtClean="0">
+                <a:solidFill>
+                  <a:srgbClr val="FF0000"/>
+                </a:solidFill>
+              </a:rPr>
+              <a:t>ALMACENAMIENTO (ROBOTS)</a:t>
+            </a:r>
+          </a:p>
+        </p:txBody>
+      </p:sp>
+      <p:grpSp>
+        <p:nvGrpSpPr>
+          <p:cNvPr id="47" name="126 Grupo"/>
+          <p:cNvGrpSpPr/>
+          <p:nvPr/>
+        </p:nvGrpSpPr>
+        <p:grpSpPr>
+          <a:xfrm>
+            <a:off x="2051720" y="5013176"/>
+            <a:ext cx="864096" cy="432048"/>
+            <a:chOff x="323528" y="4437112"/>
+            <a:chExt cx="720080" cy="936104"/>
+          </a:xfrm>
+        </p:grpSpPr>
+        <p:sp>
+          <p:nvSpPr>
+            <p:cNvPr id="128" name="127 Disco magnético"/>
+            <p:cNvSpPr/>
+            <p:nvPr/>
+          </p:nvSpPr>
+          <p:spPr>
+            <a:xfrm>
+              <a:off x="323528" y="4437112"/>
+              <a:ext cx="360040" cy="576064"/>
+            </a:xfrm>
+            <a:prstGeom prst="flowChartMagneticDisk">
+              <a:avLst/>
+            </a:prstGeom>
+          </p:spPr>
+          <p:style>
+            <a:lnRef idx="2">
+              <a:schemeClr val="accent1">
+                <a:shade val="50000"/>
+              </a:schemeClr>
+            </a:lnRef>
+            <a:fillRef idx="1">
+              <a:schemeClr val="accent1"/>
+            </a:fillRef>
+            <a:effectRef idx="0">
+              <a:schemeClr val="accent1"/>
+            </a:effectRef>
+            <a:fontRef idx="minor">
+              <a:schemeClr val="lt1"/>
+            </a:fontRef>
+          </p:style>
+          <p:txBody>
+            <a:bodyPr rtlCol="0" anchor="ctr"/>
+            <a:lstStyle/>
+            <a:p>
+              <a:pPr algn="ctr"/>
+              <a:endParaRPr lang="es-ES"/>
+            </a:p>
+          </p:txBody>
+        </p:sp>
+        <p:sp>
+          <p:nvSpPr>
+            <p:cNvPr id="132" name="131 Disco magnético"/>
+            <p:cNvSpPr/>
+            <p:nvPr/>
+          </p:nvSpPr>
+          <p:spPr>
+            <a:xfrm>
+              <a:off x="467544" y="4653136"/>
+              <a:ext cx="360040" cy="576064"/>
+            </a:xfrm>
+            <a:prstGeom prst="flowChartMagneticDisk">
+              <a:avLst/>
+            </a:prstGeom>
+          </p:spPr>
+          <p:style>
+            <a:lnRef idx="2">
+              <a:schemeClr val="accent1">
+                <a:shade val="50000"/>
+              </a:schemeClr>
+            </a:lnRef>
+            <a:fillRef idx="1">
+              <a:schemeClr val="accent1"/>
+            </a:fillRef>
+            <a:effectRef idx="0">
+              <a:schemeClr val="accent1"/>
+            </a:effectRef>
+            <a:fontRef idx="minor">
+              <a:schemeClr val="lt1"/>
+            </a:fontRef>
+          </p:style>
+          <p:txBody>
+            <a:bodyPr rtlCol="0" anchor="ctr"/>
+            <a:lstStyle/>
+            <a:p>
+              <a:pPr algn="ctr"/>
+              <a:endParaRPr lang="es-ES"/>
+            </a:p>
+          </p:txBody>
+        </p:sp>
+        <p:sp>
+          <p:nvSpPr>
+            <p:cNvPr id="134" name="133 Disco magnético"/>
+            <p:cNvSpPr/>
+            <p:nvPr/>
+          </p:nvSpPr>
+          <p:spPr>
+            <a:xfrm>
+              <a:off x="683568" y="4797152"/>
+              <a:ext cx="360040" cy="576064"/>
+            </a:xfrm>
+            <a:prstGeom prst="flowChartMagneticDisk">
+              <a:avLst/>
+            </a:prstGeom>
+          </p:spPr>
+          <p:style>
+            <a:lnRef idx="2">
+              <a:schemeClr val="accent1">
+                <a:shade val="50000"/>
+              </a:schemeClr>
+            </a:lnRef>
+            <a:fillRef idx="1">
+              <a:schemeClr val="accent1"/>
+            </a:fillRef>
+            <a:effectRef idx="0">
+              <a:schemeClr val="accent1"/>
+            </a:effectRef>
+            <a:fontRef idx="minor">
+              <a:schemeClr val="lt1"/>
+            </a:fontRef>
+          </p:style>
+          <p:txBody>
+            <a:bodyPr rtlCol="0" anchor="ctr"/>
+            <a:lstStyle/>
+            <a:p>
+              <a:pPr algn="ctr"/>
+              <a:endParaRPr lang="es-ES"/>
+            </a:p>
+          </p:txBody>
+        </p:sp>
+      </p:grpSp>
+      <p:grpSp>
+        <p:nvGrpSpPr>
+          <p:cNvPr id="48" name="135 Grupo"/>
+          <p:cNvGrpSpPr/>
+          <p:nvPr/>
+        </p:nvGrpSpPr>
+        <p:grpSpPr>
+          <a:xfrm>
+            <a:off x="827584" y="5085184"/>
+            <a:ext cx="936104" cy="576064"/>
+            <a:chOff x="323528" y="4437112"/>
+            <a:chExt cx="720080" cy="936104"/>
+          </a:xfrm>
+        </p:grpSpPr>
+        <p:sp>
+          <p:nvSpPr>
+            <p:cNvPr id="146" name="145 Disco magnético"/>
+            <p:cNvSpPr/>
+            <p:nvPr/>
+          </p:nvSpPr>
+          <p:spPr>
+            <a:xfrm>
+              <a:off x="323528" y="4437112"/>
+              <a:ext cx="360040" cy="576064"/>
+            </a:xfrm>
+            <a:prstGeom prst="flowChartMagneticDisk">
+              <a:avLst/>
+            </a:prstGeom>
+          </p:spPr>
+          <p:style>
+            <a:lnRef idx="2">
+              <a:schemeClr val="accent1">
+                <a:shade val="50000"/>
+              </a:schemeClr>
+            </a:lnRef>
+            <a:fillRef idx="1">
+              <a:schemeClr val="accent1"/>
+            </a:fillRef>
+            <a:effectRef idx="0">
+              <a:schemeClr val="accent1"/>
+            </a:effectRef>
+            <a:fontRef idx="minor">
+              <a:schemeClr val="lt1"/>
+            </a:fontRef>
+          </p:style>
+          <p:txBody>
+            <a:bodyPr rtlCol="0" anchor="ctr"/>
+            <a:lstStyle/>
+            <a:p>
+              <a:pPr algn="ctr"/>
+              <a:endParaRPr lang="es-ES"/>
+            </a:p>
+          </p:txBody>
+        </p:sp>
+        <p:sp>
+          <p:nvSpPr>
+            <p:cNvPr id="161" name="160 Disco magnético"/>
+            <p:cNvSpPr/>
+            <p:nvPr/>
+          </p:nvSpPr>
+          <p:spPr>
+            <a:xfrm>
+              <a:off x="467544" y="4653136"/>
+              <a:ext cx="360040" cy="576064"/>
+            </a:xfrm>
+            <a:prstGeom prst="flowChartMagneticDisk">
+              <a:avLst/>
+            </a:prstGeom>
+          </p:spPr>
+          <p:style>
+            <a:lnRef idx="2">
+              <a:schemeClr val="accent1">
+                <a:shade val="50000"/>
+              </a:schemeClr>
+            </a:lnRef>
+            <a:fillRef idx="1">
+              <a:schemeClr val="accent1"/>
+            </a:fillRef>
+            <a:effectRef idx="0">
+              <a:schemeClr val="accent1"/>
+            </a:effectRef>
+            <a:fontRef idx="minor">
+              <a:schemeClr val="lt1"/>
+            </a:fontRef>
+          </p:style>
+          <p:txBody>
+            <a:bodyPr rtlCol="0" anchor="ctr"/>
+            <a:lstStyle/>
+            <a:p>
+              <a:pPr algn="ctr"/>
+              <a:endParaRPr lang="es-ES"/>
+            </a:p>
+          </p:txBody>
+        </p:sp>
+        <p:sp>
+          <p:nvSpPr>
+            <p:cNvPr id="164" name="163 Disco magnético"/>
+            <p:cNvSpPr/>
+            <p:nvPr/>
+          </p:nvSpPr>
+          <p:spPr>
+            <a:xfrm>
+              <a:off x="683568" y="4797152"/>
+              <a:ext cx="360040" cy="576064"/>
+            </a:xfrm>
+            <a:prstGeom prst="flowChartMagneticDisk">
+              <a:avLst/>
+            </a:prstGeom>
+          </p:spPr>
+          <p:style>
+            <a:lnRef idx="2">
+              <a:schemeClr val="accent1">
+                <a:shade val="50000"/>
+              </a:schemeClr>
+            </a:lnRef>
+            <a:fillRef idx="1">
+              <a:schemeClr val="accent1"/>
+            </a:fillRef>
+            <a:effectRef idx="0">
+              <a:schemeClr val="accent1"/>
+            </a:effectRef>
+            <a:fontRef idx="minor">
+              <a:schemeClr val="lt1"/>
+            </a:fontRef>
+          </p:style>
+          <p:txBody>
+            <a:bodyPr rtlCol="0" anchor="ctr"/>
+            <a:lstStyle/>
+            <a:p>
+              <a:pPr algn="ctr"/>
+              <a:endParaRPr lang="es-ES"/>
+            </a:p>
+          </p:txBody>
+        </p:sp>
+      </p:grpSp>
+      <p:grpSp>
+        <p:nvGrpSpPr>
+          <p:cNvPr id="50" name="170 Grupo"/>
+          <p:cNvGrpSpPr/>
+          <p:nvPr/>
+        </p:nvGrpSpPr>
+        <p:grpSpPr>
+          <a:xfrm>
+            <a:off x="3275856" y="5157192"/>
+            <a:ext cx="720080" cy="504056"/>
+            <a:chOff x="323528" y="4437112"/>
+            <a:chExt cx="720080" cy="936104"/>
+          </a:xfrm>
+        </p:grpSpPr>
+        <p:sp>
+          <p:nvSpPr>
+            <p:cNvPr id="186" name="185 Disco magnético"/>
+            <p:cNvSpPr/>
+            <p:nvPr/>
+          </p:nvSpPr>
+          <p:spPr>
+            <a:xfrm>
+              <a:off x="323528" y="4437112"/>
+              <a:ext cx="360040" cy="576064"/>
+            </a:xfrm>
+            <a:prstGeom prst="flowChartMagneticDisk">
+              <a:avLst/>
+            </a:prstGeom>
+          </p:spPr>
+          <p:style>
+            <a:lnRef idx="2">
+              <a:schemeClr val="accent1">
+                <a:shade val="50000"/>
+              </a:schemeClr>
+            </a:lnRef>
+            <a:fillRef idx="1">
+              <a:schemeClr val="accent1"/>
+            </a:fillRef>
+            <a:effectRef idx="0">
+              <a:schemeClr val="accent1"/>
+            </a:effectRef>
+            <a:fontRef idx="minor">
+              <a:schemeClr val="lt1"/>
+            </a:fontRef>
+          </p:style>
+          <p:txBody>
+            <a:bodyPr rtlCol="0" anchor="ctr"/>
+            <a:lstStyle/>
+            <a:p>
+              <a:pPr algn="ctr"/>
+              <a:endParaRPr lang="es-ES"/>
+            </a:p>
+          </p:txBody>
+        </p:sp>
+        <p:sp>
+          <p:nvSpPr>
+            <p:cNvPr id="199" name="198 Disco magnético"/>
+            <p:cNvSpPr/>
+            <p:nvPr/>
+          </p:nvSpPr>
+          <p:spPr>
+            <a:xfrm>
+              <a:off x="467544" y="4653136"/>
+              <a:ext cx="360040" cy="576064"/>
+            </a:xfrm>
+            <a:prstGeom prst="flowChartMagneticDisk">
+              <a:avLst/>
+            </a:prstGeom>
+          </p:spPr>
+          <p:style>
+            <a:lnRef idx="2">
+              <a:schemeClr val="accent1">
+                <a:shade val="50000"/>
+              </a:schemeClr>
+            </a:lnRef>
+            <a:fillRef idx="1">
+              <a:schemeClr val="accent1"/>
+            </a:fillRef>
+            <a:effectRef idx="0">
+              <a:schemeClr val="accent1"/>
+            </a:effectRef>
+            <a:fontRef idx="minor">
+              <a:schemeClr val="lt1"/>
+            </a:fontRef>
+          </p:style>
+          <p:txBody>
+            <a:bodyPr rtlCol="0" anchor="ctr"/>
+            <a:lstStyle/>
+            <a:p>
+              <a:pPr algn="ctr"/>
+              <a:endParaRPr lang="es-ES"/>
+            </a:p>
+          </p:txBody>
+        </p:sp>
+        <p:sp>
+          <p:nvSpPr>
+            <p:cNvPr id="201" name="200 Disco magnético"/>
+            <p:cNvSpPr/>
+            <p:nvPr/>
+          </p:nvSpPr>
+          <p:spPr>
+            <a:xfrm>
+              <a:off x="683568" y="4797152"/>
+              <a:ext cx="360040" cy="576064"/>
+            </a:xfrm>
+            <a:prstGeom prst="flowChartMagneticDisk">
+              <a:avLst/>
+            </a:prstGeom>
+          </p:spPr>
+          <p:style>
+            <a:lnRef idx="2">
+              <a:schemeClr val="accent1">
+                <a:shade val="50000"/>
+              </a:schemeClr>
+            </a:lnRef>
+            <a:fillRef idx="1">
+              <a:schemeClr val="accent1"/>
+            </a:fillRef>
+            <a:effectRef idx="0">
+              <a:schemeClr val="accent1"/>
+            </a:effectRef>
+            <a:fontRef idx="minor">
+              <a:schemeClr val="lt1"/>
+            </a:fontRef>
+          </p:style>
+          <p:txBody>
+            <a:bodyPr rtlCol="0" anchor="ctr"/>
+            <a:lstStyle/>
+            <a:p>
+              <a:pPr algn="ctr"/>
+              <a:endParaRPr lang="es-ES"/>
+            </a:p>
+          </p:txBody>
+        </p:sp>
+      </p:grpSp>
+      <p:cxnSp>
+        <p:nvCxnSpPr>
+          <p:cNvPr id="153" name="152 Conector angular"/>
+          <p:cNvCxnSpPr>
+            <a:stCxn id="57" idx="2"/>
+            <a:endCxn id="87" idx="0"/>
+          </p:cNvCxnSpPr>
+          <p:nvPr/>
+        </p:nvCxnSpPr>
+        <p:spPr>
+          <a:xfrm rot="16200000" flipH="1">
+            <a:off x="2861810" y="1538790"/>
+            <a:ext cx="1296144" cy="324036"/>
+          </a:xfrm>
+          <a:prstGeom prst="bentConnector3">
+            <a:avLst>
+              <a:gd name="adj1" fmla="val 50000"/>
+            </a:avLst>
+          </a:prstGeom>
+        </p:spPr>
+        <p:style>
+          <a:lnRef idx="1">
+            <a:schemeClr val="accent1"/>
+          </a:lnRef>
+          <a:fillRef idx="0">
+            <a:schemeClr val="accent1"/>
+          </a:fillRef>
+          <a:effectRef idx="0">
+            <a:schemeClr val="accent1"/>
+          </a:effectRef>
+          <a:fontRef idx="minor">
+            <a:schemeClr val="tx1"/>
+          </a:fontRef>
+        </p:style>
+      </p:cxnSp>
+      <p:cxnSp>
+        <p:nvCxnSpPr>
+          <p:cNvPr id="165" name="164 Conector angular"/>
+          <p:cNvCxnSpPr>
+            <a:stCxn id="57" idx="2"/>
+            <a:endCxn id="83" idx="0"/>
+          </p:cNvCxnSpPr>
+          <p:nvPr/>
+        </p:nvCxnSpPr>
+        <p:spPr>
+          <a:xfrm rot="5400000">
+            <a:off x="1943708" y="944724"/>
+            <a:ext cx="1296144" cy="1512168"/>
+          </a:xfrm>
+          <a:prstGeom prst="bentConnector3">
+            <a:avLst>
+              <a:gd name="adj1" fmla="val 50000"/>
+            </a:avLst>
+          </a:prstGeom>
+        </p:spPr>
+        <p:style>
+          <a:lnRef idx="1">
+            <a:schemeClr val="accent1"/>
+          </a:lnRef>
+          <a:fillRef idx="0">
+            <a:schemeClr val="accent1"/>
+          </a:fillRef>
+          <a:effectRef idx="0">
+            <a:schemeClr val="accent1"/>
+          </a:effectRef>
+          <a:fontRef idx="minor">
+            <a:schemeClr val="tx1"/>
+          </a:fontRef>
+        </p:style>
+      </p:cxnSp>
+      <p:cxnSp>
+        <p:nvCxnSpPr>
+          <p:cNvPr id="172" name="171 Conector angular"/>
+          <p:cNvCxnSpPr/>
+          <p:nvPr/>
+        </p:nvCxnSpPr>
+        <p:spPr>
+          <a:xfrm rot="16200000" flipH="1">
+            <a:off x="3923928" y="1700808"/>
+            <a:ext cx="2232248" cy="648072"/>
+          </a:xfrm>
+          <a:prstGeom prst="bentConnector3">
+            <a:avLst>
+              <a:gd name="adj1" fmla="val 50000"/>
+            </a:avLst>
+          </a:prstGeom>
+        </p:spPr>
+        <p:style>
+          <a:lnRef idx="1">
+            <a:schemeClr val="accent1"/>
+          </a:lnRef>
+          <a:fillRef idx="0">
+            <a:schemeClr val="accent1"/>
+          </a:fillRef>
+          <a:effectRef idx="0">
+            <a:schemeClr val="accent1"/>
+          </a:effectRef>
+          <a:fontRef idx="minor">
+            <a:schemeClr val="tx1"/>
+          </a:fontRef>
+        </p:style>
+      </p:cxnSp>
+      <p:sp>
+        <p:nvSpPr>
+          <p:cNvPr id="205" name="204 Rectángulo"/>
+          <p:cNvSpPr/>
+          <p:nvPr/>
+        </p:nvSpPr>
+        <p:spPr>
+          <a:xfrm>
+            <a:off x="3635896" y="3275692"/>
+            <a:ext cx="548548" cy="369332"/>
+          </a:xfrm>
+          <a:prstGeom prst="rect">
+            <a:avLst/>
+          </a:prstGeom>
+        </p:spPr>
+        <p:txBody>
+          <a:bodyPr wrap="none">
+            <a:spAutoFit/>
+          </a:bodyPr>
+          <a:lstStyle/>
+          <a:p>
+            <a:r>
+              <a:rPr lang="es-ES" b="1" dirty="0" smtClean="0"/>
+              <a:t>SSH</a:t>
+            </a:r>
+            <a:endParaRPr lang="es-ES" dirty="0"/>
+          </a:p>
+        </p:txBody>
+      </p:sp>
+      <p:sp>
+        <p:nvSpPr>
+          <p:cNvPr id="207" name="206 Rectángulo"/>
+          <p:cNvSpPr/>
+          <p:nvPr/>
+        </p:nvSpPr>
+        <p:spPr>
+          <a:xfrm>
+            <a:off x="827584" y="3275692"/>
+            <a:ext cx="548548" cy="369332"/>
+          </a:xfrm>
+          <a:prstGeom prst="rect">
+            <a:avLst/>
+          </a:prstGeom>
+        </p:spPr>
+        <p:txBody>
+          <a:bodyPr wrap="none">
+            <a:spAutoFit/>
+          </a:bodyPr>
+          <a:lstStyle/>
+          <a:p>
+            <a:r>
+              <a:rPr lang="es-ES" b="1" dirty="0" smtClean="0"/>
+              <a:t>SSH</a:t>
+            </a:r>
+            <a:endParaRPr lang="es-ES" dirty="0"/>
+          </a:p>
+        </p:txBody>
+      </p:sp>
+      <p:sp>
+        <p:nvSpPr>
+          <p:cNvPr id="209" name="208 Rectángulo"/>
+          <p:cNvSpPr/>
+          <p:nvPr/>
+        </p:nvSpPr>
+        <p:spPr>
+          <a:xfrm>
+            <a:off x="2491669" y="1043444"/>
+            <a:ext cx="928203" cy="1200329"/>
+          </a:xfrm>
+          <a:prstGeom prst="rect">
+            <a:avLst/>
+          </a:prstGeom>
+        </p:spPr>
+        <p:txBody>
+          <a:bodyPr wrap="none">
+            <a:spAutoFit/>
+          </a:bodyPr>
+          <a:lstStyle/>
+          <a:p>
+            <a:r>
+              <a:rPr lang="es-ES" b="1" dirty="0" smtClean="0"/>
+              <a:t>TCP / </a:t>
+            </a:r>
+            <a:r>
+              <a:rPr lang="es-ES" b="1" dirty="0" smtClean="0"/>
+              <a:t>IP</a:t>
+            </a:r>
+          </a:p>
+          <a:p>
+            <a:r>
+              <a:rPr lang="es-ES" b="1" dirty="0" smtClean="0"/>
+              <a:t>SSH</a:t>
+            </a:r>
+          </a:p>
+          <a:p>
+            <a:r>
+              <a:rPr lang="es-ES" b="1" dirty="0" smtClean="0"/>
+              <a:t>FTP</a:t>
+            </a:r>
+          </a:p>
+          <a:p>
+            <a:endParaRPr lang="es-ES" b="1" dirty="0" smtClean="0"/>
+          </a:p>
+        </p:txBody>
+      </p:sp>
+      <p:sp>
+        <p:nvSpPr>
+          <p:cNvPr id="210" name="209 Rectángulo"/>
+          <p:cNvSpPr/>
+          <p:nvPr/>
+        </p:nvSpPr>
+        <p:spPr>
+          <a:xfrm>
+            <a:off x="179512" y="0"/>
+            <a:ext cx="3201710" cy="369332"/>
+          </a:xfrm>
+          <a:prstGeom prst="rect">
+            <a:avLst/>
+          </a:prstGeom>
+        </p:spPr>
+        <p:txBody>
+          <a:bodyPr wrap="none">
+            <a:spAutoFit/>
+          </a:bodyPr>
+          <a:lstStyle/>
+          <a:p>
+            <a:r>
+              <a:rPr lang="es-ES" b="1" dirty="0" smtClean="0"/>
+              <a:t>Comunicaciones   Nivel    Básico</a:t>
+            </a:r>
+            <a:endParaRPr lang="es-ES" b="1" dirty="0" smtClean="0"/>
+          </a:p>
+        </p:txBody>
+      </p:sp>
+    </p:spTree>
+  </p:cSld>
+  <p:clrMapOvr>
+    <a:masterClrMapping/>
+  </p:clrMapOvr>
+  <p:timing>
+    <p:tnLst>
+      <p:par>
+        <p:cTn id="1" dur="indefinite" restart="never" nodeType="tmRoot"/>
+      </p:par>
+    </p:tnLst>
+  </p:timing>
+</p:sld>
+</file>
+
+<file path=ppt/slides/slide3.xml><?xml version="1.0" encoding="utf-8"?>
+<p:sld xmlns:a="http://schemas.openxmlformats.org/drawingml/2006/main" xmlns:r="http://schemas.openxmlformats.org/officeDocument/2006/relationships" xmlns:p="http://schemas.openxmlformats.org/presentationml/2006/main">
+  <p:cSld>
+    <p:spTree>
+      <p:nvGrpSpPr>
+        <p:cNvPr id="1" name=""/>
+        <p:cNvGrpSpPr/>
+        <p:nvPr/>
+      </p:nvGrpSpPr>
+      <p:grpSpPr>
+        <a:xfrm>
+          <a:off x="0" y="0"/>
+          <a:ext cx="0" cy="0"/>
+          <a:chOff x="0" y="0"/>
+          <a:chExt cx="0" cy="0"/>
+        </a:xfrm>
+      </p:grpSpPr>
+      <p:pic>
+        <p:nvPicPr>
+          <p:cNvPr id="1026" name="Picture 2" descr="https://i1.wp.com/www.ubuntizando.com/wp-content/uploads/2019/05/osi.jpeg?resize=710%2C722&amp;ssl=1"/>
+          <p:cNvPicPr>
+            <a:picLocks noChangeAspect="1" noChangeArrowheads="1"/>
+          </p:cNvPicPr>
+          <p:nvPr/>
+        </p:nvPicPr>
+        <p:blipFill>
+          <a:blip r:embed="rId2" cstate="print"/>
+          <a:srcRect/>
+          <a:stretch>
+            <a:fillRect/>
+          </a:stretch>
+        </p:blipFill>
+        <p:spPr bwMode="auto">
+          <a:xfrm>
+            <a:off x="1259632" y="0"/>
+            <a:ext cx="5682630" cy="5778674"/>
+          </a:xfrm>
+          <a:prstGeom prst="rect">
+            <a:avLst/>
+          </a:prstGeom>
+          <a:noFill/>
+        </p:spPr>
+      </p:pic>
+      <p:sp>
+        <p:nvSpPr>
+          <p:cNvPr id="5" name="4 CuadroTexto"/>
+          <p:cNvSpPr txBox="1"/>
+          <p:nvPr/>
+        </p:nvSpPr>
+        <p:spPr>
+          <a:xfrm>
+            <a:off x="251520" y="5805264"/>
+            <a:ext cx="8395503" cy="1477328"/>
+          </a:xfrm>
+          <a:prstGeom prst="rect">
+            <a:avLst/>
+          </a:prstGeom>
+          <a:noFill/>
+        </p:spPr>
+        <p:txBody>
+          <a:bodyPr wrap="square" rtlCol="0">
+            <a:spAutoFit/>
+          </a:bodyPr>
+          <a:lstStyle/>
+          <a:p>
+            <a:r>
+              <a:rPr lang="es-ES" b="1" dirty="0" smtClean="0"/>
+              <a:t>Para más </a:t>
+            </a:r>
+            <a:r>
+              <a:rPr lang="es-ES" b="1" dirty="0" err="1" smtClean="0"/>
+              <a:t>info</a:t>
+            </a:r>
+            <a:r>
+              <a:rPr lang="es-ES" b="1" dirty="0" smtClean="0"/>
+              <a:t>:</a:t>
+            </a:r>
+          </a:p>
+          <a:p>
+            <a:r>
+              <a:rPr lang="es-ES" b="1" dirty="0" smtClean="0">
+                <a:hlinkClick r:id="rId3"/>
+              </a:rPr>
+              <a:t>https://www.ubuntizando.com/que-son-las-capas-del-modelo-osi-y-como-funcionan</a:t>
+            </a:r>
+            <a:r>
+              <a:rPr lang="es-ES" b="1" dirty="0" smtClean="0">
+                <a:hlinkClick r:id="rId3"/>
+              </a:rPr>
+              <a:t>/</a:t>
+            </a:r>
+            <a:endParaRPr lang="es-ES" b="1" dirty="0" smtClean="0"/>
+          </a:p>
+          <a:p>
+            <a:endParaRPr lang="es-ES" b="1" dirty="0" smtClean="0"/>
+          </a:p>
+          <a:p>
+            <a:endParaRPr lang="es-ES" b="1" dirty="0" smtClean="0"/>
+          </a:p>
+          <a:p>
+            <a:endParaRPr lang="es-ES" b="1" dirty="0"/>
+          </a:p>
+        </p:txBody>
+      </p:sp>
+    </p:spTree>
+  </p:cSld>
+  <p:clrMapOvr>
+    <a:masterClrMapping/>
+  </p:clrMapOvr>
+</p:sld>
+</file>
+
 <file path=ppt/theme/theme1.xml><?xml version="1.0" encoding="utf-8"?>
 <a:theme xmlns:a="http://schemas.openxmlformats.org/drawingml/2006/main" name="Tema de Office">
   <a:themeElements>
